--- a/Reports/Cartaz.pptx
+++ b/Reports/Cartaz.pptx
@@ -107,6 +107,11 @@
       </a:defRPr>
     </a:lvl9pPr>
   </p:defaultTextStyle>
+  <p:extLst>
+    <p:ext uri="{EFAFB233-063F-42B5-8137-9DF3F51BA10A}">
+      <p15:sldGuideLst xmlns:p15="http://schemas.microsoft.com/office/powerpoint/2012/main"/>
+    </p:ext>
+  </p:extLst>
 </p:presentation>
 </file>
 
@@ -192,7 +197,7 @@
           <a:p>
             <a:fld id="{ECD78DE9-D079-4466-ABBA-7724FCB26747}" type="datetimeFigureOut">
               <a:rPr lang="pt-PT" smtClean="0"/>
-              <a:t>22/05/2021</a:t>
+              <a:t>24/05/2021</a:t>
             </a:fld>
             <a:endParaRPr lang="pt-PT"/>
           </a:p>
@@ -351,7 +356,7 @@
           <a:p>
             <a:fld id="{B3921457-298B-45AC-AD8A-394B8BEB9731}" type="slidenum">
               <a:rPr lang="pt-PT" smtClean="0"/>
-              <a:t>‹#›</a:t>
+              <a:t>‹nº›</a:t>
             </a:fld>
             <a:endParaRPr lang="pt-PT"/>
           </a:p>
@@ -1255,7 +1260,7 @@
           <a:p>
             <a:fld id="{F365E457-66B6-4D33-981D-CA7DEDC6C6B2}" type="datetimeFigureOut">
               <a:rPr lang="pt-PT" smtClean="0"/>
-              <a:t>22/05/2021</a:t>
+              <a:t>24/05/2021</a:t>
             </a:fld>
             <a:endParaRPr lang="pt-PT"/>
           </a:p>
@@ -1297,7 +1302,7 @@
           <a:p>
             <a:fld id="{B080894F-8284-4B5E-A8E5-420C8DBC4206}" type="slidenum">
               <a:rPr lang="pt-PT" smtClean="0"/>
-              <a:t>‹#›</a:t>
+              <a:t>‹nº›</a:t>
             </a:fld>
             <a:endParaRPr lang="pt-PT"/>
           </a:p>
@@ -1506,7 +1511,7 @@
           <a:p>
             <a:fld id="{F365E457-66B6-4D33-981D-CA7DEDC6C6B2}" type="datetimeFigureOut">
               <a:rPr lang="pt-PT" smtClean="0"/>
-              <a:t>22/05/2021</a:t>
+              <a:t>24/05/2021</a:t>
             </a:fld>
             <a:endParaRPr lang="pt-PT"/>
           </a:p>
@@ -1548,7 +1553,7 @@
           <a:p>
             <a:fld id="{B080894F-8284-4B5E-A8E5-420C8DBC4206}" type="slidenum">
               <a:rPr lang="pt-PT" smtClean="0"/>
-              <a:t>‹#›</a:t>
+              <a:t>‹nº›</a:t>
             </a:fld>
             <a:endParaRPr lang="pt-PT"/>
           </a:p>
@@ -1820,7 +1825,7 @@
           <a:p>
             <a:fld id="{F365E457-66B6-4D33-981D-CA7DEDC6C6B2}" type="datetimeFigureOut">
               <a:rPr lang="pt-PT" smtClean="0"/>
-              <a:t>22/05/2021</a:t>
+              <a:t>24/05/2021</a:t>
             </a:fld>
             <a:endParaRPr lang="pt-PT"/>
           </a:p>
@@ -1862,7 +1867,7 @@
           <a:p>
             <a:fld id="{B080894F-8284-4B5E-A8E5-420C8DBC4206}" type="slidenum">
               <a:rPr lang="pt-PT" smtClean="0"/>
-              <a:t>‹#›</a:t>
+              <a:t>‹nº›</a:t>
             </a:fld>
             <a:endParaRPr lang="pt-PT"/>
           </a:p>
@@ -2153,7 +2158,7 @@
           <a:p>
             <a:fld id="{F365E457-66B6-4D33-981D-CA7DEDC6C6B2}" type="datetimeFigureOut">
               <a:rPr lang="pt-PT" smtClean="0"/>
-              <a:t>22/05/2021</a:t>
+              <a:t>24/05/2021</a:t>
             </a:fld>
             <a:endParaRPr lang="pt-PT"/>
           </a:p>
@@ -2195,7 +2200,7 @@
           <a:p>
             <a:fld id="{B080894F-8284-4B5E-A8E5-420C8DBC4206}" type="slidenum">
               <a:rPr lang="pt-PT" smtClean="0"/>
-              <a:t>‹#›</a:t>
+              <a:t>‹nº›</a:t>
             </a:fld>
             <a:endParaRPr lang="pt-PT"/>
           </a:p>
@@ -2467,7 +2472,7 @@
           <a:p>
             <a:fld id="{F365E457-66B6-4D33-981D-CA7DEDC6C6B2}" type="datetimeFigureOut">
               <a:rPr lang="pt-PT" smtClean="0"/>
-              <a:t>22/05/2021</a:t>
+              <a:t>24/05/2021</a:t>
             </a:fld>
             <a:endParaRPr lang="pt-PT"/>
           </a:p>
@@ -2509,7 +2514,7 @@
           <a:p>
             <a:fld id="{B080894F-8284-4B5E-A8E5-420C8DBC4206}" type="slidenum">
               <a:rPr lang="pt-PT" smtClean="0"/>
-              <a:t>‹#›</a:t>
+              <a:t>‹nº›</a:t>
             </a:fld>
             <a:endParaRPr lang="pt-PT"/>
           </a:p>
@@ -2860,7 +2865,7 @@
           <a:p>
             <a:fld id="{F365E457-66B6-4D33-981D-CA7DEDC6C6B2}" type="datetimeFigureOut">
               <a:rPr lang="pt-PT" smtClean="0"/>
-              <a:t>22/05/2021</a:t>
+              <a:t>24/05/2021</a:t>
             </a:fld>
             <a:endParaRPr lang="pt-PT"/>
           </a:p>
@@ -2902,7 +2907,7 @@
           <a:p>
             <a:fld id="{B080894F-8284-4B5E-A8E5-420C8DBC4206}" type="slidenum">
               <a:rPr lang="pt-PT" smtClean="0"/>
-              <a:t>‹#›</a:t>
+              <a:t>‹nº›</a:t>
             </a:fld>
             <a:endParaRPr lang="pt-PT"/>
           </a:p>
@@ -3030,7 +3035,7 @@
           <a:p>
             <a:fld id="{F365E457-66B6-4D33-981D-CA7DEDC6C6B2}" type="datetimeFigureOut">
               <a:rPr lang="pt-PT" smtClean="0"/>
-              <a:t>22/05/2021</a:t>
+              <a:t>24/05/2021</a:t>
             </a:fld>
             <a:endParaRPr lang="pt-PT"/>
           </a:p>
@@ -3072,7 +3077,7 @@
           <a:p>
             <a:fld id="{B080894F-8284-4B5E-A8E5-420C8DBC4206}" type="slidenum">
               <a:rPr lang="pt-PT" smtClean="0"/>
-              <a:t>‹#›</a:t>
+              <a:t>‹nº›</a:t>
             </a:fld>
             <a:endParaRPr lang="pt-PT"/>
           </a:p>
@@ -3210,7 +3215,7 @@
           <a:p>
             <a:fld id="{F365E457-66B6-4D33-981D-CA7DEDC6C6B2}" type="datetimeFigureOut">
               <a:rPr lang="pt-PT" smtClean="0"/>
-              <a:t>22/05/2021</a:t>
+              <a:t>24/05/2021</a:t>
             </a:fld>
             <a:endParaRPr lang="pt-PT"/>
           </a:p>
@@ -3252,7 +3257,7 @@
           <a:p>
             <a:fld id="{B080894F-8284-4B5E-A8E5-420C8DBC4206}" type="slidenum">
               <a:rPr lang="pt-PT" smtClean="0"/>
-              <a:t>‹#›</a:t>
+              <a:t>‹nº›</a:t>
             </a:fld>
             <a:endParaRPr lang="pt-PT"/>
           </a:p>
@@ -3386,7 +3391,7 @@
           <a:p>
             <a:fld id="{F365E457-66B6-4D33-981D-CA7DEDC6C6B2}" type="datetimeFigureOut">
               <a:rPr lang="pt-PT" smtClean="0"/>
-              <a:t>22/05/2021</a:t>
+              <a:t>24/05/2021</a:t>
             </a:fld>
             <a:endParaRPr lang="pt-PT"/>
           </a:p>
@@ -3428,7 +3433,7 @@
           <a:p>
             <a:fld id="{B080894F-8284-4B5E-A8E5-420C8DBC4206}" type="slidenum">
               <a:rPr lang="pt-PT" smtClean="0"/>
-              <a:t>‹#›</a:t>
+              <a:t>‹nº›</a:t>
             </a:fld>
             <a:endParaRPr lang="pt-PT"/>
           </a:p>
@@ -3633,7 +3638,7 @@
           <a:p>
             <a:fld id="{F365E457-66B6-4D33-981D-CA7DEDC6C6B2}" type="datetimeFigureOut">
               <a:rPr lang="pt-PT" smtClean="0"/>
-              <a:t>22/05/2021</a:t>
+              <a:t>24/05/2021</a:t>
             </a:fld>
             <a:endParaRPr lang="pt-PT"/>
           </a:p>
@@ -3675,7 +3680,7 @@
           <a:p>
             <a:fld id="{B080894F-8284-4B5E-A8E5-420C8DBC4206}" type="slidenum">
               <a:rPr lang="pt-PT" smtClean="0"/>
-              <a:t>‹#›</a:t>
+              <a:t>‹nº›</a:t>
             </a:fld>
             <a:endParaRPr lang="pt-PT"/>
           </a:p>
@@ -3930,7 +3935,7 @@
           <a:p>
             <a:fld id="{F365E457-66B6-4D33-981D-CA7DEDC6C6B2}" type="datetimeFigureOut">
               <a:rPr lang="pt-PT" smtClean="0"/>
-              <a:t>22/05/2021</a:t>
+              <a:t>24/05/2021</a:t>
             </a:fld>
             <a:endParaRPr lang="pt-PT"/>
           </a:p>
@@ -3972,7 +3977,7 @@
           <a:p>
             <a:fld id="{B080894F-8284-4B5E-A8E5-420C8DBC4206}" type="slidenum">
               <a:rPr lang="pt-PT" smtClean="0"/>
-              <a:t>‹#›</a:t>
+              <a:t>‹nº›</a:t>
             </a:fld>
             <a:endParaRPr lang="pt-PT"/>
           </a:p>
@@ -4309,7 +4314,7 @@
           <a:p>
             <a:fld id="{F365E457-66B6-4D33-981D-CA7DEDC6C6B2}" type="datetimeFigureOut">
               <a:rPr lang="pt-PT" smtClean="0"/>
-              <a:t>22/05/2021</a:t>
+              <a:t>24/05/2021</a:t>
             </a:fld>
             <a:endParaRPr lang="pt-PT"/>
           </a:p>
@@ -4351,7 +4356,7 @@
           <a:p>
             <a:fld id="{B080894F-8284-4B5E-A8E5-420C8DBC4206}" type="slidenum">
               <a:rPr lang="pt-PT" smtClean="0"/>
-              <a:t>‹#›</a:t>
+              <a:t>‹nº›</a:t>
             </a:fld>
             <a:endParaRPr lang="pt-PT"/>
           </a:p>
@@ -4432,7 +4437,7 @@
           <a:p>
             <a:fld id="{F365E457-66B6-4D33-981D-CA7DEDC6C6B2}" type="datetimeFigureOut">
               <a:rPr lang="pt-PT" smtClean="0"/>
-              <a:t>22/05/2021</a:t>
+              <a:t>24/05/2021</a:t>
             </a:fld>
             <a:endParaRPr lang="pt-PT"/>
           </a:p>
@@ -4474,7 +4479,7 @@
           <a:p>
             <a:fld id="{B080894F-8284-4B5E-A8E5-420C8DBC4206}" type="slidenum">
               <a:rPr lang="pt-PT" smtClean="0"/>
-              <a:t>‹#›</a:t>
+              <a:t>‹nº›</a:t>
             </a:fld>
             <a:endParaRPr lang="pt-PT"/>
           </a:p>
@@ -4527,7 +4532,7 @@
           <a:p>
             <a:fld id="{F365E457-66B6-4D33-981D-CA7DEDC6C6B2}" type="datetimeFigureOut">
               <a:rPr lang="pt-PT" smtClean="0"/>
-              <a:t>22/05/2021</a:t>
+              <a:t>24/05/2021</a:t>
             </a:fld>
             <a:endParaRPr lang="pt-PT"/>
           </a:p>
@@ -4569,7 +4574,7 @@
           <a:p>
             <a:fld id="{B080894F-8284-4B5E-A8E5-420C8DBC4206}" type="slidenum">
               <a:rPr lang="pt-PT" smtClean="0"/>
-              <a:t>‹#›</a:t>
+              <a:t>‹nº›</a:t>
             </a:fld>
             <a:endParaRPr lang="pt-PT"/>
           </a:p>
@@ -4782,7 +4787,7 @@
           <a:p>
             <a:fld id="{F365E457-66B6-4D33-981D-CA7DEDC6C6B2}" type="datetimeFigureOut">
               <a:rPr lang="pt-PT" smtClean="0"/>
-              <a:t>22/05/2021</a:t>
+              <a:t>24/05/2021</a:t>
             </a:fld>
             <a:endParaRPr lang="pt-PT"/>
           </a:p>
@@ -4824,7 +4829,7 @@
           <a:p>
             <a:fld id="{B080894F-8284-4B5E-A8E5-420C8DBC4206}" type="slidenum">
               <a:rPr lang="pt-PT" smtClean="0"/>
-              <a:t>‹#›</a:t>
+              <a:t>‹nº›</a:t>
             </a:fld>
             <a:endParaRPr lang="pt-PT"/>
           </a:p>
@@ -5045,7 +5050,7 @@
           <a:p>
             <a:fld id="{F365E457-66B6-4D33-981D-CA7DEDC6C6B2}" type="datetimeFigureOut">
               <a:rPr lang="pt-PT" smtClean="0"/>
-              <a:t>22/05/2021</a:t>
+              <a:t>24/05/2021</a:t>
             </a:fld>
             <a:endParaRPr lang="pt-PT"/>
           </a:p>
@@ -5087,7 +5092,7 @@
           <a:p>
             <a:fld id="{B080894F-8284-4B5E-A8E5-420C8DBC4206}" type="slidenum">
               <a:rPr lang="pt-PT" smtClean="0"/>
-              <a:t>‹#›</a:t>
+              <a:t>‹nº›</a:t>
             </a:fld>
             <a:endParaRPr lang="pt-PT"/>
           </a:p>
@@ -5860,7 +5865,7 @@
           <a:p>
             <a:fld id="{F365E457-66B6-4D33-981D-CA7DEDC6C6B2}" type="datetimeFigureOut">
               <a:rPr lang="pt-PT" smtClean="0"/>
-              <a:t>22/05/2021</a:t>
+              <a:t>24/05/2021</a:t>
             </a:fld>
             <a:endParaRPr lang="pt-PT"/>
           </a:p>
@@ -5936,7 +5941,7 @@
           <a:p>
             <a:fld id="{B080894F-8284-4B5E-A8E5-420C8DBC4206}" type="slidenum">
               <a:rPr lang="pt-PT" smtClean="0"/>
-              <a:t>‹#›</a:t>
+              <a:t>‹nº›</a:t>
             </a:fld>
             <a:endParaRPr lang="pt-PT"/>
           </a:p>
@@ -6389,7 +6394,7 @@
           <p:cNvPr id="52" name="Picture 51" descr="Icon&#10;&#10;Description automatically generated">
             <a:extLst>
               <a:ext uri="{FF2B5EF4-FFF2-40B4-BE49-F238E27FC236}">
-                <a16:creationId xmlns:a16="http://schemas.microsoft.com/office/drawing/2014/main" id="{25428C48-AF16-4CA2-8DE4-39BFF9188F67}"/>
+                <a16:creationId xmlns:a16="http://schemas.microsoft.com/office/drawing/2014/main" xmlns="" id="{25428C48-AF16-4CA2-8DE4-39BFF9188F67}"/>
               </a:ext>
             </a:extLst>
           </p:cNvPr>
@@ -6399,7 +6404,7 @@
           <p:nvPr/>
         </p:nvPicPr>
         <p:blipFill>
-          <a:blip r:embed="rId2">
+          <a:blip r:embed="rId2" cstate="print">
             <a:extLst>
               <a:ext uri="{28A0092B-C50C-407E-A947-70E740481C1C}">
                 <a14:useLocalDpi xmlns:a14="http://schemas.microsoft.com/office/drawing/2010/main" val="0"/>
@@ -6425,7 +6430,7 @@
           <p:cNvPr id="32" name="Picture 31" descr="A blue letter on a black background&#10;&#10;Description automatically generated with low confidence">
             <a:extLst>
               <a:ext uri="{FF2B5EF4-FFF2-40B4-BE49-F238E27FC236}">
-                <a16:creationId xmlns:a16="http://schemas.microsoft.com/office/drawing/2014/main" id="{C72D5136-6BE4-458C-A0FF-BFE8E1843BD2}"/>
+                <a16:creationId xmlns:a16="http://schemas.microsoft.com/office/drawing/2014/main" xmlns="" id="{C72D5136-6BE4-458C-A0FF-BFE8E1843BD2}"/>
               </a:ext>
             </a:extLst>
           </p:cNvPr>
@@ -6435,7 +6440,7 @@
           <p:nvPr/>
         </p:nvPicPr>
         <p:blipFill>
-          <a:blip r:embed="rId3">
+          <a:blip r:embed="rId3" cstate="print">
             <a:extLst>
               <a:ext uri="{BEBA8EAE-BF5A-486C-A8C5-ECC9F3942E4B}">
                 <a14:imgProps xmlns:a14="http://schemas.microsoft.com/office/drawing/2010/main">
@@ -6479,7 +6484,7 @@
           <p:cNvPr id="14" name="Group 13">
             <a:extLst>
               <a:ext uri="{FF2B5EF4-FFF2-40B4-BE49-F238E27FC236}">
-                <a16:creationId xmlns:a16="http://schemas.microsoft.com/office/drawing/2014/main" id="{C5D2C6D2-F4C9-45DE-BEA0-709708B86DCB}"/>
+                <a16:creationId xmlns:a16="http://schemas.microsoft.com/office/drawing/2014/main" xmlns="" id="{C5D2C6D2-F4C9-45DE-BEA0-709708B86DCB}"/>
               </a:ext>
             </a:extLst>
           </p:cNvPr>
@@ -6499,7 +6504,7 @@
             <p:cNvPr id="13" name="Rectangle: Rounded Corners 12">
               <a:extLst>
                 <a:ext uri="{FF2B5EF4-FFF2-40B4-BE49-F238E27FC236}">
-                  <a16:creationId xmlns:a16="http://schemas.microsoft.com/office/drawing/2014/main" id="{44E87403-B601-4650-8146-8B38E9FDFED1}"/>
+                  <a16:creationId xmlns:a16="http://schemas.microsoft.com/office/drawing/2014/main" xmlns="" id="{44E87403-B601-4650-8146-8B38E9FDFED1}"/>
                 </a:ext>
               </a:extLst>
             </p:cNvPr>
@@ -6553,7 +6558,7 @@
             <p:cNvPr id="10" name="Picture 9" descr="Text, application, chat or text message&#10;&#10;Description automatically generated">
               <a:extLst>
                 <a:ext uri="{FF2B5EF4-FFF2-40B4-BE49-F238E27FC236}">
-                  <a16:creationId xmlns:a16="http://schemas.microsoft.com/office/drawing/2014/main" id="{0AB3A181-18E8-445D-AB07-DCB449C6906F}"/>
+                  <a16:creationId xmlns:a16="http://schemas.microsoft.com/office/drawing/2014/main" xmlns="" id="{0AB3A181-18E8-445D-AB07-DCB449C6906F}"/>
                 </a:ext>
               </a:extLst>
             </p:cNvPr>
@@ -6649,7 +6654,7 @@
           <p:cNvPr id="8" name="Rectangle 7">
             <a:extLst>
               <a:ext uri="{FF2B5EF4-FFF2-40B4-BE49-F238E27FC236}">
-                <a16:creationId xmlns:a16="http://schemas.microsoft.com/office/drawing/2014/main" id="{F0AD863B-BB2E-48E8-BC42-A8B50527DD91}"/>
+                <a16:creationId xmlns:a16="http://schemas.microsoft.com/office/drawing/2014/main" xmlns="" id="{F0AD863B-BB2E-48E8-BC42-A8B50527DD91}"/>
               </a:ext>
             </a:extLst>
           </p:cNvPr>
@@ -6701,7 +6706,7 @@
           <p:cNvPr id="15" name="Picture 2" descr="Linguagem KOTLIN - fantástica ! - Laboratorio de Garagem (arduino,  eletrônica, robotica, hacking)">
             <a:extLst>
               <a:ext uri="{FF2B5EF4-FFF2-40B4-BE49-F238E27FC236}">
-                <a16:creationId xmlns:a16="http://schemas.microsoft.com/office/drawing/2014/main" id="{71C49E15-61EB-4962-B507-C85AC9B2BA09}"/>
+                <a16:creationId xmlns:a16="http://schemas.microsoft.com/office/drawing/2014/main" xmlns="" id="{71C49E15-61EB-4962-B507-C85AC9B2BA09}"/>
               </a:ext>
             </a:extLst>
           </p:cNvPr>
@@ -6748,7 +6753,7 @@
           <p:cNvPr id="16" name="Picture 6" descr="banner">
             <a:extLst>
               <a:ext uri="{FF2B5EF4-FFF2-40B4-BE49-F238E27FC236}">
-                <a16:creationId xmlns:a16="http://schemas.microsoft.com/office/drawing/2014/main" id="{AE6BB04F-310F-448C-B152-25CE5E73C243}"/>
+                <a16:creationId xmlns:a16="http://schemas.microsoft.com/office/drawing/2014/main" xmlns="" id="{AE6BB04F-310F-448C-B152-25CE5E73C243}"/>
               </a:ext>
             </a:extLst>
           </p:cNvPr>
@@ -6795,7 +6800,7 @@
           <p:cNvPr id="17" name="Picture 26" descr="SQLite – Wikipédia, a enciclopédia livre">
             <a:extLst>
               <a:ext uri="{FF2B5EF4-FFF2-40B4-BE49-F238E27FC236}">
-                <a16:creationId xmlns:a16="http://schemas.microsoft.com/office/drawing/2014/main" id="{91E56467-967F-4E60-A80B-2AFB73DC64F2}"/>
+                <a16:creationId xmlns:a16="http://schemas.microsoft.com/office/drawing/2014/main" xmlns="" id="{91E56467-967F-4E60-A80B-2AFB73DC64F2}"/>
               </a:ext>
             </a:extLst>
           </p:cNvPr>
@@ -6842,7 +6847,7 @@
           <p:cNvPr id="18" name="Picture 4" descr="Logo&#10;&#10;Description automatically generated">
             <a:extLst>
               <a:ext uri="{FF2B5EF4-FFF2-40B4-BE49-F238E27FC236}">
-                <a16:creationId xmlns:a16="http://schemas.microsoft.com/office/drawing/2014/main" id="{5CA8F78F-6E53-43B8-BCDB-22749DE83A7B}"/>
+                <a16:creationId xmlns:a16="http://schemas.microsoft.com/office/drawing/2014/main" xmlns="" id="{5CA8F78F-6E53-43B8-BCDB-22749DE83A7B}"/>
               </a:ext>
             </a:extLst>
           </p:cNvPr>
@@ -6889,7 +6894,7 @@
           <p:cNvPr id="19" name="Picture 28" descr="Ficheiro:Android new logo 2019.svg – Wikipédia, a enciclopédia livre">
             <a:extLst>
               <a:ext uri="{FF2B5EF4-FFF2-40B4-BE49-F238E27FC236}">
-                <a16:creationId xmlns:a16="http://schemas.microsoft.com/office/drawing/2014/main" id="{2D859602-AD42-4220-B5FD-CF105860821E}"/>
+                <a16:creationId xmlns:a16="http://schemas.microsoft.com/office/drawing/2014/main" xmlns="" id="{2D859602-AD42-4220-B5FD-CF105860821E}"/>
               </a:ext>
             </a:extLst>
           </p:cNvPr>
@@ -6936,7 +6941,7 @@
           <p:cNvPr id="22" name="Group 21">
             <a:extLst>
               <a:ext uri="{FF2B5EF4-FFF2-40B4-BE49-F238E27FC236}">
-                <a16:creationId xmlns:a16="http://schemas.microsoft.com/office/drawing/2014/main" id="{0FA83CFA-7754-44AB-9F2E-D48EB039B7DA}"/>
+                <a16:creationId xmlns:a16="http://schemas.microsoft.com/office/drawing/2014/main" xmlns="" id="{0FA83CFA-7754-44AB-9F2E-D48EB039B7DA}"/>
               </a:ext>
             </a:extLst>
           </p:cNvPr>
@@ -6956,7 +6961,7 @@
             <p:cNvPr id="20" name="TextBox 19">
               <a:extLst>
                 <a:ext uri="{FF2B5EF4-FFF2-40B4-BE49-F238E27FC236}">
-                  <a16:creationId xmlns:a16="http://schemas.microsoft.com/office/drawing/2014/main" id="{72009FCB-2CB0-4302-9EE7-B8374D8EDEAA}"/>
+                  <a16:creationId xmlns:a16="http://schemas.microsoft.com/office/drawing/2014/main" xmlns="" id="{72009FCB-2CB0-4302-9EE7-B8374D8EDEAA}"/>
                 </a:ext>
               </a:extLst>
             </p:cNvPr>
@@ -6999,7 +7004,7 @@
             <p:cNvPr id="21" name="TextBox 20">
               <a:extLst>
                 <a:ext uri="{FF2B5EF4-FFF2-40B4-BE49-F238E27FC236}">
-                  <a16:creationId xmlns:a16="http://schemas.microsoft.com/office/drawing/2014/main" id="{15293442-73A2-46A6-8D6B-B2CFBB67E95F}"/>
+                  <a16:creationId xmlns:a16="http://schemas.microsoft.com/office/drawing/2014/main" xmlns="" id="{15293442-73A2-46A6-8D6B-B2CFBB67E95F}"/>
                 </a:ext>
               </a:extLst>
             </p:cNvPr>
@@ -7059,7 +7064,7 @@
           <p:cNvPr id="23" name="TextBox 22">
             <a:extLst>
               <a:ext uri="{FF2B5EF4-FFF2-40B4-BE49-F238E27FC236}">
-                <a16:creationId xmlns:a16="http://schemas.microsoft.com/office/drawing/2014/main" id="{987FE8C5-03DD-491F-811D-D297F8AF397C}"/>
+                <a16:creationId xmlns:a16="http://schemas.microsoft.com/office/drawing/2014/main" xmlns="" id="{987FE8C5-03DD-491F-811D-D297F8AF397C}"/>
               </a:ext>
             </a:extLst>
           </p:cNvPr>
@@ -7094,7 +7099,7 @@
           <p:cNvPr id="30" name="Picture 29" descr="Icon&#10;&#10;Description automatically generated">
             <a:extLst>
               <a:ext uri="{FF2B5EF4-FFF2-40B4-BE49-F238E27FC236}">
-                <a16:creationId xmlns:a16="http://schemas.microsoft.com/office/drawing/2014/main" id="{6FC7F7C2-69A3-4D65-AB2D-EBC8923F6E4F}"/>
+                <a16:creationId xmlns:a16="http://schemas.microsoft.com/office/drawing/2014/main" xmlns="" id="{6FC7F7C2-69A3-4D65-AB2D-EBC8923F6E4F}"/>
               </a:ext>
             </a:extLst>
           </p:cNvPr>
@@ -7104,7 +7109,7 @@
           <p:nvPr/>
         </p:nvPicPr>
         <p:blipFill>
-          <a:blip r:embed="rId13">
+          <a:blip r:embed="rId13" cstate="print">
             <a:extLst>
               <a:ext uri="{28A0092B-C50C-407E-A947-70E740481C1C}">
                 <a14:useLocalDpi xmlns:a14="http://schemas.microsoft.com/office/drawing/2010/main" val="0"/>
@@ -7130,7 +7135,7 @@
           <p:cNvPr id="33" name="Flowchart: Connector 32">
             <a:extLst>
               <a:ext uri="{FF2B5EF4-FFF2-40B4-BE49-F238E27FC236}">
-                <a16:creationId xmlns:a16="http://schemas.microsoft.com/office/drawing/2014/main" id="{E4029F1B-9750-4C83-BA30-48BACC20C079}"/>
+                <a16:creationId xmlns:a16="http://schemas.microsoft.com/office/drawing/2014/main" xmlns="" id="{E4029F1B-9750-4C83-BA30-48BACC20C079}"/>
               </a:ext>
             </a:extLst>
           </p:cNvPr>
@@ -7184,7 +7189,7 @@
           <p:cNvPr id="34" name="TextBox 33">
             <a:extLst>
               <a:ext uri="{FF2B5EF4-FFF2-40B4-BE49-F238E27FC236}">
-                <a16:creationId xmlns:a16="http://schemas.microsoft.com/office/drawing/2014/main" id="{BA2634AA-9F25-4DF8-A985-CD8442348EFF}"/>
+                <a16:creationId xmlns:a16="http://schemas.microsoft.com/office/drawing/2014/main" xmlns="" id="{BA2634AA-9F25-4DF8-A985-CD8442348EFF}"/>
               </a:ext>
             </a:extLst>
           </p:cNvPr>
@@ -7219,7 +7224,7 @@
           <p:cNvPr id="41" name="TextBox 40">
             <a:extLst>
               <a:ext uri="{FF2B5EF4-FFF2-40B4-BE49-F238E27FC236}">
-                <a16:creationId xmlns:a16="http://schemas.microsoft.com/office/drawing/2014/main" id="{2168A235-095F-496D-A496-EB738610A544}"/>
+                <a16:creationId xmlns:a16="http://schemas.microsoft.com/office/drawing/2014/main" xmlns="" id="{2168A235-095F-496D-A496-EB738610A544}"/>
               </a:ext>
             </a:extLst>
           </p:cNvPr>
@@ -7273,7 +7278,7 @@
           <p:cNvPr id="42" name="TextBox 41">
             <a:extLst>
               <a:ext uri="{FF2B5EF4-FFF2-40B4-BE49-F238E27FC236}">
-                <a16:creationId xmlns:a16="http://schemas.microsoft.com/office/drawing/2014/main" id="{7B55BC85-B0CD-4E61-A344-328669026851}"/>
+                <a16:creationId xmlns:a16="http://schemas.microsoft.com/office/drawing/2014/main" xmlns="" id="{7B55BC85-B0CD-4E61-A344-328669026851}"/>
               </a:ext>
             </a:extLst>
           </p:cNvPr>
@@ -7315,56 +7320,12 @@
           </a:p>
         </p:txBody>
       </p:sp>
-      <p:sp>
-        <p:nvSpPr>
-          <p:cNvPr id="43" name="TextBox 42">
-            <a:extLst>
-              <a:ext uri="{FF2B5EF4-FFF2-40B4-BE49-F238E27FC236}">
-                <a16:creationId xmlns:a16="http://schemas.microsoft.com/office/drawing/2014/main" id="{CF853510-C866-4B56-B9B4-C3DF7C8F7DB8}"/>
-              </a:ext>
-            </a:extLst>
-          </p:cNvPr>
-          <p:cNvSpPr txBox="1"/>
-          <p:nvPr/>
-        </p:nvSpPr>
-        <p:spPr>
-          <a:xfrm>
-            <a:off x="3123443" y="15755589"/>
-            <a:ext cx="2147730" cy="830997"/>
-          </a:xfrm>
-          <a:prstGeom prst="rect">
-            <a:avLst/>
-          </a:prstGeom>
-          <a:noFill/>
-        </p:spPr>
-        <p:txBody>
-          <a:bodyPr wrap="square" rtlCol="0">
-            <a:spAutoFit/>
-          </a:bodyPr>
-          <a:lstStyle/>
-          <a:p>
-            <a:r>
-              <a:rPr lang="pt-PT" sz="1200" b="1" dirty="0"/>
-              <a:t>Orientadores</a:t>
-            </a:r>
-          </a:p>
-          <a:p>
-            <a:r>
-              <a:rPr lang="pt-PT" sz="1200" dirty="0"/>
-              <a:t>José Simão   			 Nuno Cota</a:t>
-            </a:r>
-          </a:p>
-          <a:p>
-            <a:endParaRPr lang="pt-PT" sz="1200" dirty="0"/>
-          </a:p>
-        </p:txBody>
-      </p:sp>
       <p:pic>
         <p:nvPicPr>
           <p:cNvPr id="1026" name="Picture 2">
             <a:extLst>
               <a:ext uri="{FF2B5EF4-FFF2-40B4-BE49-F238E27FC236}">
-                <a16:creationId xmlns:a16="http://schemas.microsoft.com/office/drawing/2014/main" id="{FFB3C30C-43A4-40B1-B9EA-223EA2C4C9CF}"/>
+                <a16:creationId xmlns:a16="http://schemas.microsoft.com/office/drawing/2014/main" xmlns="" id="{FFB3C30C-43A4-40B1-B9EA-223EA2C4C9CF}"/>
               </a:ext>
             </a:extLst>
           </p:cNvPr>
@@ -7374,7 +7335,7 @@
           <p:nvPr/>
         </p:nvPicPr>
         <p:blipFill rotWithShape="1">
-          <a:blip r:embed="rId14">
+          <a:blip r:embed="rId14" cstate="print">
             <a:extLst>
               <a:ext uri="{28A0092B-C50C-407E-A947-70E740481C1C}">
                 <a14:useLocalDpi xmlns:a14="http://schemas.microsoft.com/office/drawing/2010/main" val="0"/>
@@ -7409,7 +7370,7 @@
           <p:cNvPr id="45" name="TextBox 44">
             <a:extLst>
               <a:ext uri="{FF2B5EF4-FFF2-40B4-BE49-F238E27FC236}">
-                <a16:creationId xmlns:a16="http://schemas.microsoft.com/office/drawing/2014/main" id="{4E45D221-D405-430B-B652-253A4C4189B6}"/>
+                <a16:creationId xmlns:a16="http://schemas.microsoft.com/office/drawing/2014/main" xmlns="" id="{4E45D221-D405-430B-B652-253A4C4189B6}"/>
               </a:ext>
             </a:extLst>
           </p:cNvPr>
@@ -7445,8 +7406,12 @@
           </a:p>
           <a:p>
             <a:r>
+              <a:rPr lang="pt-PT" sz="1200" dirty="0" smtClean="0"/>
+              <a:t>jose.simao@isel.pt</a:t>
+            </a:r>
+            <a:r>
               <a:rPr lang="pt-PT" sz="1200" dirty="0"/>
-              <a:t>jose-.simao@isel.pt		nuno.cota@isel.pt</a:t>
+              <a:t>		nuno.cota@isel.pt</a:t>
             </a:r>
           </a:p>
         </p:txBody>
@@ -7456,7 +7421,7 @@
           <p:cNvPr id="48" name="Picture 47" descr="Icon&#10;&#10;Description automatically generated">
             <a:extLst>
               <a:ext uri="{FF2B5EF4-FFF2-40B4-BE49-F238E27FC236}">
-                <a16:creationId xmlns:a16="http://schemas.microsoft.com/office/drawing/2014/main" id="{E1B236CA-9544-493D-9B08-23234C116331}"/>
+                <a16:creationId xmlns:a16="http://schemas.microsoft.com/office/drawing/2014/main" xmlns="" id="{E1B236CA-9544-493D-9B08-23234C116331}"/>
               </a:ext>
             </a:extLst>
           </p:cNvPr>
@@ -7466,7 +7431,7 @@
           <p:nvPr/>
         </p:nvPicPr>
         <p:blipFill>
-          <a:blip r:embed="rId15">
+          <a:blip r:embed="rId15" cstate="print">
             <a:extLst>
               <a:ext uri="{28A0092B-C50C-407E-A947-70E740481C1C}">
                 <a14:useLocalDpi xmlns:a14="http://schemas.microsoft.com/office/drawing/2010/main" val="0"/>
@@ -7492,7 +7457,7 @@
           <p:cNvPr id="50" name="TextBox 49">
             <a:extLst>
               <a:ext uri="{FF2B5EF4-FFF2-40B4-BE49-F238E27FC236}">
-                <a16:creationId xmlns:a16="http://schemas.microsoft.com/office/drawing/2014/main" id="{88D742BE-F3DB-43F5-BBA3-9D709EEFAB13}"/>
+                <a16:creationId xmlns:a16="http://schemas.microsoft.com/office/drawing/2014/main" xmlns="" id="{88D742BE-F3DB-43F5-BBA3-9D709EEFAB13}"/>
               </a:ext>
             </a:extLst>
           </p:cNvPr>
@@ -7527,7 +7492,7 @@
           <p:cNvPr id="51" name="Flowchart: Connector 50">
             <a:extLst>
               <a:ext uri="{FF2B5EF4-FFF2-40B4-BE49-F238E27FC236}">
-                <a16:creationId xmlns:a16="http://schemas.microsoft.com/office/drawing/2014/main" id="{1D8A719F-FC27-4FB4-9F1E-A629BA682040}"/>
+                <a16:creationId xmlns:a16="http://schemas.microsoft.com/office/drawing/2014/main" xmlns="" id="{1D8A719F-FC27-4FB4-9F1E-A629BA682040}"/>
               </a:ext>
             </a:extLst>
           </p:cNvPr>
@@ -7581,7 +7546,7 @@
           <p:cNvPr id="54" name="Flowchart: Connector 53">
             <a:extLst>
               <a:ext uri="{FF2B5EF4-FFF2-40B4-BE49-F238E27FC236}">
-                <a16:creationId xmlns:a16="http://schemas.microsoft.com/office/drawing/2014/main" id="{DAF1179B-6AF4-4CB7-8667-838197FFCCBE}"/>
+                <a16:creationId xmlns:a16="http://schemas.microsoft.com/office/drawing/2014/main" xmlns="" id="{DAF1179B-6AF4-4CB7-8667-838197FFCCBE}"/>
               </a:ext>
             </a:extLst>
           </p:cNvPr>
@@ -7635,7 +7600,7 @@
           <p:cNvPr id="53" name="Rectangle 52">
             <a:extLst>
               <a:ext uri="{FF2B5EF4-FFF2-40B4-BE49-F238E27FC236}">
-                <a16:creationId xmlns:a16="http://schemas.microsoft.com/office/drawing/2014/main" id="{39877C36-B4D4-403C-8876-B4A5E1F74735}"/>
+                <a16:creationId xmlns:a16="http://schemas.microsoft.com/office/drawing/2014/main" xmlns="" id="{39877C36-B4D4-403C-8876-B4A5E1F74735}"/>
               </a:ext>
             </a:extLst>
           </p:cNvPr>
@@ -7689,7 +7654,7 @@
           <p:cNvPr id="56" name="TextBox 55">
             <a:extLst>
               <a:ext uri="{FF2B5EF4-FFF2-40B4-BE49-F238E27FC236}">
-                <a16:creationId xmlns:a16="http://schemas.microsoft.com/office/drawing/2014/main" id="{FA0CDF41-3952-4066-8D8C-C7BEB2C87F21}"/>
+                <a16:creationId xmlns:a16="http://schemas.microsoft.com/office/drawing/2014/main" xmlns="" id="{FA0CDF41-3952-4066-8D8C-C7BEB2C87F21}"/>
               </a:ext>
             </a:extLst>
           </p:cNvPr>
@@ -7729,7 +7694,7 @@
           <p:cNvPr id="57" name="Straight Connector 56">
             <a:extLst>
               <a:ext uri="{FF2B5EF4-FFF2-40B4-BE49-F238E27FC236}">
-                <a16:creationId xmlns:a16="http://schemas.microsoft.com/office/drawing/2014/main" id="{94A56C47-8B0B-4E1B-80F2-07B93FC0431B}"/>
+                <a16:creationId xmlns:a16="http://schemas.microsoft.com/office/drawing/2014/main" xmlns="" id="{94A56C47-8B0B-4E1B-80F2-07B93FC0431B}"/>
               </a:ext>
             </a:extLst>
           </p:cNvPr>
